--- a/Documentation/DatabaseAccessAndInteroperability.pptx
+++ b/Documentation/DatabaseAccessAndInteroperability.pptx
@@ -107,7 +107,16 @@
       </a:defRPr>
     </a:lvl9pPr>
   </p:defaultTextStyle>
+  <p:extLst>
+    <p:ext uri="{EFAFB233-063F-42B5-8137-9DF3F51BA10A}">
+      <p15:sldGuideLst xmlns:p15="http://schemas.microsoft.com/office/powerpoint/2012/main"/>
+    </p:ext>
+  </p:extLst>
 </p:presentation>
+</file>
+
+<file path=ppt/revisionInfo.xml><?xml version="1.0" encoding="utf-8"?>
+<p1510:revInfo xmlns:a="http://schemas.openxmlformats.org/drawingml/2006/main" xmlns:r="http://schemas.openxmlformats.org/officeDocument/2006/relationships" xmlns:p1510="http://schemas.microsoft.com/office/powerpoint/2015/10/main"/>
 </file>
 
 <file path=ppt/slideLayouts/slideLayout1.xml><?xml version="1.0" encoding="utf-8"?>
@@ -241,7 +250,7 @@
           <a:p>
             <a:fld id="{F0947A45-ED27-4883-8EE4-B7EF5596FFCB}" type="datetimeFigureOut">
               <a:rPr lang="en-GB" smtClean="0"/>
-              <a:t>17/08/2017</a:t>
+              <a:t>06/06/2018</a:t>
             </a:fld>
             <a:endParaRPr lang="en-GB"/>
           </a:p>
@@ -411,7 +420,7 @@
           <a:p>
             <a:fld id="{F0947A45-ED27-4883-8EE4-B7EF5596FFCB}" type="datetimeFigureOut">
               <a:rPr lang="en-GB" smtClean="0"/>
-              <a:t>17/08/2017</a:t>
+              <a:t>06/06/2018</a:t>
             </a:fld>
             <a:endParaRPr lang="en-GB"/>
           </a:p>
@@ -591,7 +600,7 @@
           <a:p>
             <a:fld id="{F0947A45-ED27-4883-8EE4-B7EF5596FFCB}" type="datetimeFigureOut">
               <a:rPr lang="en-GB" smtClean="0"/>
-              <a:t>17/08/2017</a:t>
+              <a:t>06/06/2018</a:t>
             </a:fld>
             <a:endParaRPr lang="en-GB"/>
           </a:p>
@@ -761,7 +770,7 @@
           <a:p>
             <a:fld id="{F0947A45-ED27-4883-8EE4-B7EF5596FFCB}" type="datetimeFigureOut">
               <a:rPr lang="en-GB" smtClean="0"/>
-              <a:t>17/08/2017</a:t>
+              <a:t>06/06/2018</a:t>
             </a:fld>
             <a:endParaRPr lang="en-GB"/>
           </a:p>
@@ -1007,7 +1016,7 @@
           <a:p>
             <a:fld id="{F0947A45-ED27-4883-8EE4-B7EF5596FFCB}" type="datetimeFigureOut">
               <a:rPr lang="en-GB" smtClean="0"/>
-              <a:t>17/08/2017</a:t>
+              <a:t>06/06/2018</a:t>
             </a:fld>
             <a:endParaRPr lang="en-GB"/>
           </a:p>
@@ -1239,7 +1248,7 @@
           <a:p>
             <a:fld id="{F0947A45-ED27-4883-8EE4-B7EF5596FFCB}" type="datetimeFigureOut">
               <a:rPr lang="en-GB" smtClean="0"/>
-              <a:t>17/08/2017</a:t>
+              <a:t>06/06/2018</a:t>
             </a:fld>
             <a:endParaRPr lang="en-GB"/>
           </a:p>
@@ -1606,7 +1615,7 @@
           <a:p>
             <a:fld id="{F0947A45-ED27-4883-8EE4-B7EF5596FFCB}" type="datetimeFigureOut">
               <a:rPr lang="en-GB" smtClean="0"/>
-              <a:t>17/08/2017</a:t>
+              <a:t>06/06/2018</a:t>
             </a:fld>
             <a:endParaRPr lang="en-GB"/>
           </a:p>
@@ -1724,7 +1733,7 @@
           <a:p>
             <a:fld id="{F0947A45-ED27-4883-8EE4-B7EF5596FFCB}" type="datetimeFigureOut">
               <a:rPr lang="en-GB" smtClean="0"/>
-              <a:t>17/08/2017</a:t>
+              <a:t>06/06/2018</a:t>
             </a:fld>
             <a:endParaRPr lang="en-GB"/>
           </a:p>
@@ -1819,7 +1828,7 @@
           <a:p>
             <a:fld id="{F0947A45-ED27-4883-8EE4-B7EF5596FFCB}" type="datetimeFigureOut">
               <a:rPr lang="en-GB" smtClean="0"/>
-              <a:t>17/08/2017</a:t>
+              <a:t>06/06/2018</a:t>
             </a:fld>
             <a:endParaRPr lang="en-GB"/>
           </a:p>
@@ -2096,7 +2105,7 @@
           <a:p>
             <a:fld id="{F0947A45-ED27-4883-8EE4-B7EF5596FFCB}" type="datetimeFigureOut">
               <a:rPr lang="en-GB" smtClean="0"/>
-              <a:t>17/08/2017</a:t>
+              <a:t>06/06/2018</a:t>
             </a:fld>
             <a:endParaRPr lang="en-GB"/>
           </a:p>
@@ -2349,7 +2358,7 @@
           <a:p>
             <a:fld id="{F0947A45-ED27-4883-8EE4-B7EF5596FFCB}" type="datetimeFigureOut">
               <a:rPr lang="en-GB" smtClean="0"/>
-              <a:t>17/08/2017</a:t>
+              <a:t>06/06/2018</a:t>
             </a:fld>
             <a:endParaRPr lang="en-GB"/>
           </a:p>
@@ -2562,7 +2571,7 @@
           <a:p>
             <a:fld id="{F0947A45-ED27-4883-8EE4-B7EF5596FFCB}" type="datetimeFigureOut">
               <a:rPr lang="en-GB" smtClean="0"/>
-              <a:t>17/08/2017</a:t>
+              <a:t>06/06/2018</a:t>
             </a:fld>
             <a:endParaRPr lang="en-GB"/>
           </a:p>
@@ -4228,7 +4237,7 @@
         <p:spPr/>
         <p:txBody>
           <a:bodyPr>
-            <a:normAutofit lnSpcReduction="10000"/>
+            <a:normAutofit/>
           </a:bodyPr>
           <a:lstStyle/>
           <a:p>
@@ -4246,23 +4255,13 @@
           <a:p>
             <a:r>
               <a:rPr lang="en-US" dirty="0"/>
-              <a:t>Some users have ninja skills / experience in their own database engine</a:t>
-            </a:r>
-          </a:p>
-          <a:p>
-            <a:r>
-              <a:rPr lang="en-US" dirty="0"/>
-              <a:t>Omitting the DLE trigger system it should be feasible to achieve </a:t>
-            </a:r>
-          </a:p>
-          <a:p>
-            <a:r>
-              <a:rPr lang="en-US" dirty="0"/>
-              <a:t>The ability to tell a user feature X is not compatible with his data table under a given set of circumstances will streamline more generic feature limitation API (simple, experienced, expert).</a:t>
-            </a:r>
-          </a:p>
-          <a:p>
-            <a:endParaRPr lang="en-GB" dirty="0"/>
+              <a:t>Some users have ninja skills / experience in their own </a:t>
+            </a:r>
+            <a:r>
+              <a:rPr lang="en-US"/>
+              <a:t>database engine</a:t>
+            </a:r>
+            <a:endParaRPr lang="en-US" dirty="0"/>
           </a:p>
         </p:txBody>
       </p:sp>
